--- a/trunk/The Photometry group.pptx
+++ b/trunk/The Photometry group.pptx
@@ -5918,7 +5918,7 @@
         </p:nvSpPr>
         <p:spPr>
           <a:xfrm>
-            <a:off x="214282" y="1857364"/>
+            <a:off x="357158" y="1857364"/>
             <a:ext cx="3500462" cy="2492990"/>
           </a:xfrm>
           <a:prstGeom prst="rect">
@@ -6234,7 +6234,7 @@
         </p:blipFill>
         <p:spPr>
           <a:xfrm>
-            <a:off x="3929058" y="1502270"/>
+            <a:off x="4143372" y="1502270"/>
             <a:ext cx="4429156" cy="3212614"/>
           </a:xfrm>
           <a:prstGeom prst="rect">
@@ -7173,7 +7173,7 @@
                   </a:schemeClr>
                 </a:solidFill>
               </a:rPr>
-              <a:t>mehod</a:t>
+              <a:t>method</a:t>
             </a:r>
             <a:endParaRPr lang="hr-HR" sz="2800" dirty="0" smtClean="0">
               <a:solidFill>
@@ -7759,18 +7759,7 @@
                   </a:schemeClr>
                 </a:solidFill>
               </a:rPr>
-              <a:t>D</a:t>
-            </a:r>
-            <a:r>
-              <a:rPr lang="hr-HR" sz="2600" dirty="0" err="1" smtClean="0">
-                <a:solidFill>
-                  <a:schemeClr val="tx2">
-                    <a:lumMod val="20000"/>
-                    <a:lumOff val="80000"/>
-                  </a:schemeClr>
-                </a:solidFill>
-              </a:rPr>
-              <a:t>etermining</a:t>
+              <a:t>Determining</a:t>
             </a:r>
             <a:r>
               <a:rPr lang="hr-HR" sz="2600" dirty="0" smtClean="0">
@@ -7781,18 +7770,7 @@
                   </a:schemeClr>
                 </a:solidFill>
               </a:rPr>
-              <a:t> </a:t>
-            </a:r>
-            <a:r>
-              <a:rPr lang="hr-HR" sz="2600" dirty="0" smtClean="0">
-                <a:solidFill>
-                  <a:schemeClr val="tx2">
-                    <a:lumMod val="20000"/>
-                    <a:lumOff val="80000"/>
-                  </a:schemeClr>
-                </a:solidFill>
-              </a:rPr>
-              <a:t>all </a:t>
+              <a:t> all </a:t>
             </a:r>
             <a:r>
               <a:rPr lang="hr-HR" sz="2600" dirty="0" err="1" smtClean="0">
@@ -8107,7 +8085,7 @@
         </p:blipFill>
         <p:spPr>
           <a:xfrm>
-            <a:off x="500034" y="857232"/>
+            <a:off x="500034" y="1000108"/>
             <a:ext cx="8215370" cy="5286412"/>
           </a:xfrm>
         </p:spPr>
@@ -8244,7 +8222,18 @@
                   </a:schemeClr>
                 </a:solidFill>
               </a:rPr>
-              <a:t>search </a:t>
+              <a:t>search for new LPV-s (long  period variables or </a:t>
+            </a:r>
+            <a:r>
+              <a:rPr lang="en-US" sz="2600" dirty="0" err="1" smtClean="0">
+                <a:solidFill>
+                  <a:schemeClr val="tx2">
+                    <a:lumMod val="20000"/>
+                    <a:lumOff val="80000"/>
+                  </a:schemeClr>
+                </a:solidFill>
+              </a:rPr>
+              <a:t>mira</a:t>
             </a:r>
             <a:r>
               <a:rPr lang="en-US" sz="2600" dirty="0" smtClean="0">
@@ -8255,7 +8244,18 @@
                   </a:schemeClr>
                 </a:solidFill>
               </a:rPr>
-              <a:t>for new LPV-s (</a:t>
+              <a:t> (ο </a:t>
+            </a:r>
+            <a:r>
+              <a:rPr lang="en-US" sz="2600" dirty="0" err="1" smtClean="0">
+                <a:solidFill>
+                  <a:schemeClr val="tx2">
+                    <a:lumMod val="20000"/>
+                    <a:lumOff val="80000"/>
+                  </a:schemeClr>
+                </a:solidFill>
+              </a:rPr>
+              <a:t>Ceti</a:t>
             </a:r>
             <a:r>
               <a:rPr lang="en-US" sz="2600" dirty="0" smtClean="0">
@@ -8266,7 +8266,18 @@
                   </a:schemeClr>
                 </a:solidFill>
               </a:rPr>
-              <a:t>long  period </a:t>
+              <a:t>) stars) that were considered as potential </a:t>
+            </a:r>
+            <a:r>
+              <a:rPr lang="en-US" sz="2600" dirty="0" err="1" smtClean="0">
+                <a:solidFill>
+                  <a:schemeClr val="tx2">
+                    <a:lumMod val="20000"/>
+                    <a:lumOff val="80000"/>
+                  </a:schemeClr>
+                </a:solidFill>
+              </a:rPr>
+              <a:t>miras</a:t>
             </a:r>
             <a:r>
               <a:rPr lang="en-US" sz="2600" dirty="0" smtClean="0">
@@ -8277,7 +8288,7 @@
                   </a:schemeClr>
                 </a:solidFill>
               </a:rPr>
-              <a:t>variables or </a:t>
+              <a:t> in </a:t>
             </a:r>
             <a:r>
               <a:rPr lang="en-US" sz="2600" dirty="0" err="1" smtClean="0">
@@ -8288,73 +8299,29 @@
                   </a:schemeClr>
                 </a:solidFill>
               </a:rPr>
-              <a:t>mira</a:t>
-            </a:r>
-            <a:r>
-              <a:rPr lang="en-US" sz="2600" dirty="0" smtClean="0">
-                <a:solidFill>
-                  <a:schemeClr val="tx2">
-                    <a:lumMod val="20000"/>
-                    <a:lumOff val="80000"/>
-                  </a:schemeClr>
-                </a:solidFill>
-              </a:rPr>
-              <a:t> (ο </a:t>
-            </a:r>
-            <a:r>
-              <a:rPr lang="en-US" sz="2600" dirty="0" err="1" smtClean="0">
-                <a:solidFill>
-                  <a:schemeClr val="tx2">
-                    <a:lumMod val="20000"/>
-                    <a:lumOff val="80000"/>
-                  </a:schemeClr>
-                </a:solidFill>
-              </a:rPr>
-              <a:t>Ceti</a:t>
-            </a:r>
-            <a:r>
-              <a:rPr lang="en-US" sz="2600" dirty="0" smtClean="0">
-                <a:solidFill>
-                  <a:schemeClr val="tx2">
-                    <a:lumMod val="20000"/>
-                    <a:lumOff val="80000"/>
-                  </a:schemeClr>
-                </a:solidFill>
-              </a:rPr>
-              <a:t>) stars) that were considered as potential </a:t>
-            </a:r>
-            <a:r>
-              <a:rPr lang="en-US" sz="2600" dirty="0" err="1" smtClean="0">
-                <a:solidFill>
-                  <a:schemeClr val="tx2">
-                    <a:lumMod val="20000"/>
-                    <a:lumOff val="80000"/>
-                  </a:schemeClr>
-                </a:solidFill>
-              </a:rPr>
-              <a:t>miras</a:t>
-            </a:r>
-            <a:r>
-              <a:rPr lang="en-US" sz="2600" dirty="0" smtClean="0">
-                <a:solidFill>
-                  <a:schemeClr val="tx2">
-                    <a:lumMod val="20000"/>
-                    <a:lumOff val="80000"/>
-                  </a:schemeClr>
-                </a:solidFill>
-              </a:rPr>
-              <a:t> in </a:t>
-            </a:r>
-            <a:r>
-              <a:rPr lang="en-US" sz="2600" dirty="0" err="1" smtClean="0">
-                <a:solidFill>
-                  <a:schemeClr val="tx2">
-                    <a:lumMod val="20000"/>
-                    <a:lumOff val="80000"/>
-                  </a:schemeClr>
-                </a:solidFill>
-              </a:rPr>
               <a:t>Višnjan</a:t>
+            </a:r>
+            <a:r>
+              <a:rPr lang="hr-HR" sz="2600" dirty="0" smtClean="0">
+                <a:solidFill>
+                  <a:schemeClr val="tx2">
+                    <a:lumMod val="20000"/>
+                    <a:lumOff val="80000"/>
+                  </a:schemeClr>
+                </a:solidFill>
+              </a:rPr>
+              <a:t> </a:t>
+            </a:r>
+            <a:r>
+              <a:rPr lang="hr-HR" sz="2600" dirty="0" err="1" smtClean="0">
+                <a:solidFill>
+                  <a:schemeClr val="tx2">
+                    <a:lumMod val="20000"/>
+                    <a:lumOff val="80000"/>
+                  </a:schemeClr>
+                </a:solidFill>
+              </a:rPr>
+              <a:t>Observatory</a:t>
             </a:r>
             <a:r>
               <a:rPr lang="en-US" sz="2600" dirty="0" smtClean="0">
@@ -8561,7 +8528,84 @@
                   </a:schemeClr>
                 </a:solidFill>
               </a:rPr>
-              <a:t> html-s</a:t>
+              <a:t> </a:t>
+            </a:r>
+            <a:r>
+              <a:rPr lang="hr-HR" sz="2600" dirty="0" err="1" smtClean="0">
+                <a:solidFill>
+                  <a:schemeClr val="tx2">
+                    <a:lumMod val="20000"/>
+                    <a:lumOff val="80000"/>
+                  </a:schemeClr>
+                </a:solidFill>
+              </a:rPr>
+              <a:t>Višnjan</a:t>
+            </a:r>
+            <a:r>
+              <a:rPr lang="hr-HR" sz="2600" dirty="0" smtClean="0">
+                <a:solidFill>
+                  <a:schemeClr val="tx2">
+                    <a:lumMod val="20000"/>
+                    <a:lumOff val="80000"/>
+                  </a:schemeClr>
+                </a:solidFill>
+              </a:rPr>
+              <a:t> </a:t>
+            </a:r>
+            <a:r>
+              <a:rPr lang="hr-HR" sz="2600" dirty="0" err="1" smtClean="0">
+                <a:solidFill>
+                  <a:schemeClr val="tx2">
+                    <a:lumMod val="20000"/>
+                    <a:lumOff val="80000"/>
+                  </a:schemeClr>
+                </a:solidFill>
+              </a:rPr>
+              <a:t>Observatory</a:t>
+            </a:r>
+            <a:r>
+              <a:rPr lang="hr-HR" sz="2600" dirty="0" smtClean="0">
+                <a:solidFill>
+                  <a:schemeClr val="tx2">
+                    <a:lumMod val="20000"/>
+                    <a:lumOff val="80000"/>
+                  </a:schemeClr>
+                </a:solidFill>
+              </a:rPr>
+              <a:t> </a:t>
+            </a:r>
+            <a:r>
+              <a:rPr lang="hr-HR" sz="2600" dirty="0" smtClean="0">
+                <a:solidFill>
+                  <a:schemeClr val="tx2">
+                    <a:lumMod val="20000"/>
+                    <a:lumOff val="80000"/>
+                  </a:schemeClr>
+                </a:solidFill>
+              </a:rPr>
+              <a:t>mira </a:t>
+            </a:r>
+            <a:r>
+              <a:rPr lang="hr-HR" sz="2600" dirty="0" err="1" smtClean="0">
+                <a:solidFill>
+                  <a:schemeClr val="tx2">
+                    <a:lumMod val="20000"/>
+                    <a:lumOff val="80000"/>
+                  </a:schemeClr>
+                </a:solidFill>
+              </a:rPr>
+              <a:t>database</a:t>
+            </a:r>
+            <a:r>
+              <a:rPr lang="hr-HR" sz="2600" dirty="0" smtClean="0">
+                <a:solidFill>
+                  <a:schemeClr val="tx2">
+                    <a:lumMod val="20000"/>
+                    <a:lumOff val="80000"/>
+                  </a:schemeClr>
+                </a:solidFill>
+              </a:rPr>
+              <a:t> list</a:t>
             </a:r>
           </a:p>
           <a:p>
@@ -8624,7 +8668,7 @@
           </a:blip>
           <a:srcRect/>
           <a:stretch>
-            <a:fillRect l="-4000" r="-4000"/>
+            <a:fillRect/>
           </a:stretch>
         </a:blipFill>
         <a:effectLst/>
@@ -9742,54 +9786,69 @@
           </a:p>
         </p:txBody>
       </p:sp>
-      <p:pic>
-        <p:nvPicPr>
-          <p:cNvPr id="5" name="Picture 4" descr="simbad_search_prntsc.JPG"/>
-          <p:cNvPicPr>
-            <a:picLocks noChangeAspect="1"/>
-          </p:cNvPicPr>
+      <p:grpSp>
+        <p:nvGrpSpPr>
+          <p:cNvPr id="7" name="Group 6"/>
+          <p:cNvGrpSpPr/>
           <p:nvPr/>
-        </p:nvPicPr>
-        <p:blipFill>
-          <a:blip r:embed="rId3"/>
-          <a:stretch>
-            <a:fillRect/>
-          </a:stretch>
-        </p:blipFill>
-        <p:spPr>
+        </p:nvGrpSpPr>
+        <p:grpSpPr>
           <a:xfrm>
-            <a:off x="428596" y="1071546"/>
-            <a:ext cx="4634374" cy="3595260"/>
+            <a:off x="543905" y="1000108"/>
+            <a:ext cx="7957185" cy="5214974"/>
+            <a:chOff x="401029" y="1007936"/>
+            <a:chExt cx="8242937" cy="5500702"/>
           </a:xfrm>
-          <a:prstGeom prst="rect">
-            <a:avLst/>
-          </a:prstGeom>
-        </p:spPr>
-      </p:pic>
-      <p:pic>
-        <p:nvPicPr>
-          <p:cNvPr id="6" name="Picture 5" descr="simbad_search_prntsc2.JPG"/>
-          <p:cNvPicPr>
-            <a:picLocks noChangeAspect="1"/>
-          </p:cNvPicPr>
-          <p:nvPr/>
-        </p:nvPicPr>
-        <p:blipFill>
-          <a:blip r:embed="rId4"/>
-          <a:stretch>
-            <a:fillRect/>
-          </a:stretch>
-        </p:blipFill>
-        <p:spPr>
-          <a:xfrm>
-            <a:off x="4071934" y="3000372"/>
-            <a:ext cx="4599599" cy="3571876"/>
-          </a:xfrm>
-          <a:prstGeom prst="rect">
-            <a:avLst/>
-          </a:prstGeom>
-        </p:spPr>
-      </p:pic>
+        </p:grpSpPr>
+        <p:pic>
+          <p:nvPicPr>
+            <p:cNvPr id="5" name="Picture 4" descr="simbad_search_prntsc.JPG"/>
+            <p:cNvPicPr>
+              <a:picLocks noChangeAspect="1"/>
+            </p:cNvPicPr>
+            <p:nvPr/>
+          </p:nvPicPr>
+          <p:blipFill>
+            <a:blip r:embed="rId3"/>
+            <a:stretch>
+              <a:fillRect/>
+            </a:stretch>
+          </p:blipFill>
+          <p:spPr>
+            <a:xfrm>
+              <a:off x="401029" y="1007936"/>
+              <a:ext cx="4634374" cy="3595260"/>
+            </a:xfrm>
+            <a:prstGeom prst="rect">
+              <a:avLst/>
+            </a:prstGeom>
+          </p:spPr>
+        </p:pic>
+        <p:pic>
+          <p:nvPicPr>
+            <p:cNvPr id="6" name="Picture 5" descr="simbad_search_prntsc2.JPG"/>
+            <p:cNvPicPr>
+              <a:picLocks noChangeAspect="1"/>
+            </p:cNvPicPr>
+            <p:nvPr/>
+          </p:nvPicPr>
+          <p:blipFill>
+            <a:blip r:embed="rId4"/>
+            <a:stretch>
+              <a:fillRect/>
+            </a:stretch>
+          </p:blipFill>
+          <p:spPr>
+            <a:xfrm>
+              <a:off x="4044367" y="2936762"/>
+              <a:ext cx="4599599" cy="3571876"/>
+            </a:xfrm>
+            <a:prstGeom prst="rect">
+              <a:avLst/>
+            </a:prstGeom>
+          </p:spPr>
+        </p:pic>
+      </p:grpSp>
     </p:spTree>
   </p:cSld>
   <p:clrMapOvr>
@@ -9816,7 +9875,7 @@
           </a:blip>
           <a:srcRect/>
           <a:stretch>
-            <a:fillRect t="-1000" b="-1000"/>
+            <a:fillRect t="-2000" b="-2000"/>
           </a:stretch>
         </a:blipFill>
         <a:effectLst/>
@@ -9848,7 +9907,7 @@
         </p:nvSpPr>
         <p:spPr>
           <a:xfrm>
-            <a:off x="-214346" y="214290"/>
+            <a:off x="-214346" y="71414"/>
             <a:ext cx="3114668" cy="642942"/>
           </a:xfrm>
         </p:spPr>
@@ -10412,7 +10471,7 @@
         </p:spPr>
         <p:txBody>
           <a:bodyPr>
-            <a:normAutofit fontScale="90000"/>
+            <a:normAutofit/>
             <a:scene3d>
               <a:camera prst="orthographicFront"/>
               <a:lightRig rig="flat" dir="t">
@@ -10437,7 +10496,10 @@
               <a:rPr lang="hr-HR" b="1" dirty="0" err="1">
                 <a:ln/>
                 <a:solidFill>
-                  <a:srgbClr val="4DADC7"/>
+                  <a:schemeClr val="accent1">
+                    <a:lumMod val="60000"/>
+                    <a:lumOff val="40000"/>
+                  </a:schemeClr>
                 </a:solidFill>
               </a:rPr>
               <a:t>Thank</a:t>
@@ -10446,7 +10508,10 @@
               <a:rPr lang="hr-HR" b="1" dirty="0">
                 <a:ln/>
                 <a:solidFill>
-                  <a:srgbClr val="4DADC7"/>
+                  <a:schemeClr val="accent1">
+                    <a:lumMod val="60000"/>
+                    <a:lumOff val="40000"/>
+                  </a:schemeClr>
                 </a:solidFill>
               </a:rPr>
               <a:t> </a:t>
@@ -10455,7 +10520,10 @@
               <a:rPr lang="hr-HR" b="1" dirty="0" err="1">
                 <a:ln/>
                 <a:solidFill>
-                  <a:srgbClr val="4DADC7"/>
+                  <a:schemeClr val="accent1">
+                    <a:lumMod val="60000"/>
+                    <a:lumOff val="40000"/>
+                  </a:schemeClr>
                 </a:solidFill>
               </a:rPr>
               <a:t>you</a:t>
@@ -10464,7 +10532,10 @@
               <a:rPr lang="hr-HR" b="1" dirty="0">
                 <a:ln/>
                 <a:solidFill>
-                  <a:srgbClr val="4DADC7"/>
+                  <a:schemeClr val="accent1">
+                    <a:lumMod val="60000"/>
+                    <a:lumOff val="40000"/>
+                  </a:schemeClr>
                 </a:solidFill>
               </a:rPr>
               <a:t> </a:t>
@@ -10473,7 +10544,10 @@
               <a:rPr lang="hr-HR" b="1" dirty="0" err="1">
                 <a:ln/>
                 <a:solidFill>
-                  <a:srgbClr val="4DADC7"/>
+                  <a:schemeClr val="accent1">
+                    <a:lumMod val="60000"/>
+                    <a:lumOff val="40000"/>
+                  </a:schemeClr>
                 </a:solidFill>
               </a:rPr>
               <a:t>for</a:t>
@@ -10482,7 +10556,10 @@
               <a:rPr lang="hr-HR" b="1" dirty="0">
                 <a:ln/>
                 <a:solidFill>
-                  <a:srgbClr val="4DADC7"/>
+                  <a:schemeClr val="accent1">
+                    <a:lumMod val="60000"/>
+                    <a:lumOff val="40000"/>
+                  </a:schemeClr>
                 </a:solidFill>
               </a:rPr>
               <a:t> </a:t>
@@ -10491,7 +10568,10 @@
               <a:rPr lang="hr-HR" b="1" dirty="0" err="1">
                 <a:ln/>
                 <a:solidFill>
-                  <a:srgbClr val="4DADC7"/>
+                  <a:schemeClr val="accent1">
+                    <a:lumMod val="60000"/>
+                    <a:lumOff val="40000"/>
+                  </a:schemeClr>
                 </a:solidFill>
               </a:rPr>
               <a:t>your</a:t>
@@ -10500,7 +10580,10 @@
               <a:rPr lang="hr-HR" b="1" dirty="0">
                 <a:ln/>
                 <a:solidFill>
-                  <a:srgbClr val="4DADC7"/>
+                  <a:schemeClr val="accent1">
+                    <a:lumMod val="60000"/>
+                    <a:lumOff val="40000"/>
+                  </a:schemeClr>
                 </a:solidFill>
               </a:rPr>
               <a:t> </a:t>
@@ -10509,7 +10592,10 @@
               <a:rPr lang="hr-HR" b="1" dirty="0" err="1">
                 <a:ln/>
                 <a:solidFill>
-                  <a:srgbClr val="4DADC7"/>
+                  <a:schemeClr val="accent1">
+                    <a:lumMod val="60000"/>
+                    <a:lumOff val="40000"/>
+                  </a:schemeClr>
                 </a:solidFill>
               </a:rPr>
               <a:t>attention</a:t>
@@ -10518,7 +10604,10 @@
               <a:rPr lang="hr-HR" b="1" dirty="0">
                 <a:ln/>
                 <a:solidFill>
-                  <a:srgbClr val="4DADC7"/>
+                  <a:schemeClr val="accent1">
+                    <a:lumMod val="60000"/>
+                    <a:lumOff val="40000"/>
+                  </a:schemeClr>
                 </a:solidFill>
               </a:rPr>
               <a:t>!</a:t>
@@ -10527,7 +10616,10 @@
               <a:rPr lang="hr-HR" b="1" dirty="0">
                 <a:ln/>
                 <a:solidFill>
-                  <a:srgbClr val="4DADC7"/>
+                  <a:schemeClr val="accent1">
+                    <a:lumMod val="60000"/>
+                    <a:lumOff val="40000"/>
+                  </a:schemeClr>
                 </a:solidFill>
               </a:rPr>
             </a:br>
@@ -10535,7 +10627,10 @@
               <a:rPr lang="hr-HR" b="1" dirty="0" err="1">
                 <a:ln/>
                 <a:solidFill>
-                  <a:srgbClr val="4DADC7"/>
+                  <a:schemeClr val="accent1">
+                    <a:lumMod val="60000"/>
+                    <a:lumOff val="40000"/>
+                  </a:schemeClr>
                 </a:solidFill>
               </a:rPr>
               <a:t>Any</a:t>
@@ -10544,7 +10639,10 @@
               <a:rPr lang="hr-HR" b="1" dirty="0">
                 <a:ln/>
                 <a:solidFill>
-                  <a:srgbClr val="4DADC7"/>
+                  <a:schemeClr val="accent1">
+                    <a:lumMod val="60000"/>
+                    <a:lumOff val="40000"/>
+                  </a:schemeClr>
                 </a:solidFill>
               </a:rPr>
               <a:t> </a:t>
@@ -10553,7 +10651,10 @@
               <a:rPr lang="hr-HR" b="1" dirty="0" err="1">
                 <a:ln/>
                 <a:solidFill>
-                  <a:srgbClr val="4DADC7"/>
+                  <a:schemeClr val="accent1">
+                    <a:lumMod val="60000"/>
+                    <a:lumOff val="40000"/>
+                  </a:schemeClr>
                 </a:solidFill>
               </a:rPr>
               <a:t>questions</a:t>
@@ -10562,33 +10663,21 @@
               <a:rPr lang="hr-HR" b="1" dirty="0" smtClean="0">
                 <a:ln/>
                 <a:solidFill>
-                  <a:srgbClr val="4DADC7"/>
+                  <a:schemeClr val="accent1">
+                    <a:lumMod val="60000"/>
+                    <a:lumOff val="40000"/>
+                  </a:schemeClr>
                 </a:solidFill>
               </a:rPr>
               <a:t>?</a:t>
-            </a:r>
-            <a:br>
-              <a:rPr lang="hr-HR" b="1" dirty="0" smtClean="0">
-                <a:ln/>
-                <a:solidFill>
-                  <a:srgbClr val="4DADC7"/>
-                </a:solidFill>
-              </a:rPr>
-            </a:br>
-            <a:r>
-              <a:rPr lang="hr-HR" b="1" dirty="0" smtClean="0">
-                <a:ln/>
-                <a:solidFill>
-                  <a:srgbClr val="4DADC7"/>
-                </a:solidFill>
-                <a:sym typeface="Wingdings" pitchFamily="2" charset="2"/>
-              </a:rPr>
-              <a:t></a:t>
             </a:r>
             <a:endParaRPr lang="hr-HR" b="1" dirty="0">
               <a:ln/>
               <a:solidFill>
-                <a:srgbClr val="4DADC7"/>
+                <a:schemeClr val="accent1">
+                  <a:lumMod val="60000"/>
+                  <a:lumOff val="40000"/>
+                </a:schemeClr>
               </a:solidFill>
             </a:endParaRPr>
           </a:p>
@@ -11592,14 +11681,6 @@
               </a:rPr>
               <a:t> </a:t>
             </a:r>
-            <a:endParaRPr lang="hr-HR" sz="4200" dirty="0" smtClean="0">
-              <a:solidFill>
-                <a:schemeClr val="tx2">
-                  <a:lumMod val="20000"/>
-                  <a:lumOff val="80000"/>
-                </a:schemeClr>
-              </a:solidFill>
-            </a:endParaRPr>
           </a:p>
           <a:p>
             <a:pPr>
@@ -11723,7 +11804,7 @@
           </a:blip>
           <a:srcRect/>
           <a:stretch>
-            <a:fillRect l="-1000" r="-1000"/>
+            <a:fillRect t="-1000" b="-1000"/>
           </a:stretch>
         </a:blipFill>
         <a:effectLst/>
@@ -12079,7 +12160,7 @@
           </a:blip>
           <a:srcRect/>
           <a:stretch>
-            <a:fillRect l="-2000" r="-2000"/>
+            <a:fillRect/>
           </a:stretch>
         </a:blipFill>
         <a:effectLst/>
@@ -12284,15 +12365,15 @@
         </p:nvPicPr>
         <p:blipFill>
           <a:blip r:embed="rId3"/>
-          <a:srcRect/>
+          <a:srcRect b="3560"/>
           <a:stretch>
             <a:fillRect/>
           </a:stretch>
         </p:blipFill>
         <p:spPr>
           <a:xfrm>
-            <a:off x="214282" y="1285860"/>
-            <a:ext cx="5437187" cy="4814887"/>
+            <a:off x="214282" y="1357298"/>
+            <a:ext cx="5437187" cy="4643470"/>
           </a:xfrm>
           <a:noFill/>
           <a:ln/>
@@ -12467,7 +12548,7 @@
         </p:nvSpPr>
         <p:spPr>
           <a:xfrm>
-            <a:off x="500034" y="1285860"/>
+            <a:off x="500034" y="1760557"/>
             <a:ext cx="4038600" cy="4525963"/>
           </a:xfrm>
         </p:spPr>
@@ -12771,7 +12852,7 @@
         </p:blipFill>
         <p:spPr>
           <a:xfrm>
-            <a:off x="4859338" y="1125538"/>
+            <a:off x="4859338" y="928670"/>
             <a:ext cx="3457575" cy="2593975"/>
           </a:xfrm>
           <a:noFill/>
@@ -12802,7 +12883,7 @@
         </p:blipFill>
         <p:spPr>
           <a:xfrm>
-            <a:off x="4859338" y="3860800"/>
+            <a:off x="4859338" y="3663932"/>
             <a:ext cx="3457575" cy="2593975"/>
           </a:xfrm>
           <a:noFill/>
@@ -12870,7 +12951,7 @@
         </p:nvSpPr>
         <p:spPr>
           <a:xfrm>
-            <a:off x="-571536" y="-142900"/>
+            <a:off x="-571536" y="20619"/>
             <a:ext cx="4429156" cy="836613"/>
           </a:xfrm>
         </p:spPr>
@@ -13076,7 +13157,7 @@
         </p:nvSpPr>
         <p:spPr>
           <a:xfrm>
-            <a:off x="-428660" y="0"/>
+            <a:off x="-428660" y="165082"/>
             <a:ext cx="3816350" cy="692150"/>
           </a:xfrm>
         </p:spPr>

--- a/trunk/The Photometry group.pptx
+++ b/trunk/The Photometry group.pptx
@@ -5,7 +5,7 @@
     <p:sldMasterId id="2147483648" r:id="rId1"/>
   </p:sldMasterIdLst>
   <p:notesMasterIdLst>
-    <p:notesMasterId r:id="rId25"/>
+    <p:notesMasterId r:id="rId24"/>
   </p:notesMasterIdLst>
   <p:sldIdLst>
     <p:sldId id="276" r:id="rId2"/>
@@ -22,15 +22,14 @@
     <p:sldId id="277" r:id="rId13"/>
     <p:sldId id="278" r:id="rId14"/>
     <p:sldId id="284" r:id="rId15"/>
-    <p:sldId id="285" r:id="rId16"/>
-    <p:sldId id="279" r:id="rId17"/>
-    <p:sldId id="280" r:id="rId18"/>
-    <p:sldId id="281" r:id="rId19"/>
-    <p:sldId id="283" r:id="rId20"/>
-    <p:sldId id="286" r:id="rId21"/>
-    <p:sldId id="287" r:id="rId22"/>
-    <p:sldId id="282" r:id="rId23"/>
-    <p:sldId id="274" r:id="rId24"/>
+    <p:sldId id="279" r:id="rId16"/>
+    <p:sldId id="280" r:id="rId17"/>
+    <p:sldId id="281" r:id="rId18"/>
+    <p:sldId id="283" r:id="rId19"/>
+    <p:sldId id="286" r:id="rId20"/>
+    <p:sldId id="287" r:id="rId21"/>
+    <p:sldId id="282" r:id="rId22"/>
+    <p:sldId id="274" r:id="rId23"/>
   </p:sldIdLst>
   <p:sldSz cx="9144000" cy="6858000" type="screen4x3"/>
   <p:notesSz cx="6858000" cy="9144000"/>
@@ -969,7 +968,7 @@
             <a:fld id="{62F6D5BA-FADD-4688-9179-AB90DB678958}" type="slidenum">
               <a:rPr lang="hr-HR" smtClean="0"/>
               <a:pPr/>
-              <a:t>17</a:t>
+              <a:t>16</a:t>
             </a:fld>
             <a:endParaRPr lang="hr-HR"/>
           </a:p>
@@ -1020,7 +1019,7 @@
             <a:fld id="{06B2FAE3-336B-461A-8EC6-A28D6267303A}" type="slidenum">
               <a:rPr lang="en-US"/>
               <a:pPr/>
-              <a:t>23</a:t>
+              <a:t>22</a:t>
             </a:fld>
             <a:endParaRPr lang="en-US"/>
           </a:p>
@@ -6234,8 +6233,8 @@
         </p:blipFill>
         <p:spPr>
           <a:xfrm>
-            <a:off x="4143372" y="1502270"/>
-            <a:ext cx="4429156" cy="3212614"/>
+            <a:off x="3665367" y="1285860"/>
+            <a:ext cx="5121475" cy="3714776"/>
           </a:xfrm>
           <a:prstGeom prst="rect">
             <a:avLst/>
@@ -6292,7 +6291,7 @@
         </p:blipFill>
         <p:spPr>
           <a:xfrm>
-            <a:off x="457200" y="642918"/>
+            <a:off x="457200" y="685802"/>
             <a:ext cx="4038600" cy="3028950"/>
           </a:xfrm>
         </p:spPr>
@@ -6315,7 +6314,7 @@
         </p:blipFill>
         <p:spPr>
           <a:xfrm>
-            <a:off x="4648200" y="3214686"/>
+            <a:off x="4648200" y="3257570"/>
             <a:ext cx="4038600" cy="3028950"/>
           </a:xfrm>
         </p:spPr>
@@ -6336,7 +6335,7 @@
         </p:blipFill>
         <p:spPr>
           <a:xfrm>
-            <a:off x="5524506" y="642918"/>
+            <a:off x="5524506" y="685802"/>
             <a:ext cx="2762269" cy="2071702"/>
           </a:xfrm>
           <a:prstGeom prst="rect">
@@ -6360,7 +6359,7 @@
         </p:blipFill>
         <p:spPr>
           <a:xfrm>
-            <a:off x="914392" y="4071942"/>
+            <a:off x="914392" y="4186257"/>
             <a:ext cx="2800351" cy="2100263"/>
           </a:xfrm>
           <a:prstGeom prst="rect">
@@ -6441,61 +6440,6 @@
 <file path=ppt/slides/slide15.xml><?xml version="1.0" encoding="utf-8"?>
 <p:sld xmlns:a="http://schemas.openxmlformats.org/drawingml/2006/main" xmlns:r="http://schemas.openxmlformats.org/officeDocument/2006/relationships" xmlns:p="http://schemas.openxmlformats.org/presentationml/2006/main">
   <p:cSld>
-    <p:spTree>
-      <p:nvGrpSpPr>
-        <p:cNvPr id="1" name=""/>
-        <p:cNvGrpSpPr/>
-        <p:nvPr/>
-      </p:nvGrpSpPr>
-      <p:grpSpPr>
-        <a:xfrm>
-          <a:off x="0" y="0"/>
-          <a:ext cx="0" cy="0"/>
-          <a:chOff x="0" y="0"/>
-          <a:chExt cx="0" cy="0"/>
-        </a:xfrm>
-      </p:grpSpPr>
-      <p:pic>
-        <p:nvPicPr>
-          <p:cNvPr id="6" name="Content Placeholder 5" descr="vsa2009_phot_group_variables_ll.jpg"/>
-          <p:cNvPicPr>
-            <a:picLocks noGrp="1" noChangeAspect="1"/>
-          </p:cNvPicPr>
-          <p:nvPr>
-            <p:ph sz="quarter" idx="3"/>
-          </p:nvPr>
-        </p:nvPicPr>
-        <p:blipFill>
-          <a:blip r:embed="rId2"/>
-          <a:stretch>
-            <a:fillRect/>
-          </a:stretch>
-        </p:blipFill>
-        <p:spPr>
-          <a:xfrm>
-            <a:off x="0" y="1142984"/>
-            <a:ext cx="9144000" cy="4580930"/>
-          </a:xfrm>
-        </p:spPr>
-      </p:pic>
-    </p:spTree>
-  </p:cSld>
-  <p:clrMapOvr>
-    <a:masterClrMapping/>
-  </p:clrMapOvr>
-  <p:timing>
-    <p:tnLst>
-      <p:par>
-        <p:cTn id="1" dur="indefinite" restart="never" nodeType="tmRoot"/>
-      </p:par>
-    </p:tnLst>
-  </p:timing>
-</p:sld>
-</file>
-
-<file path=ppt/slides/slide16.xml><?xml version="1.0" encoding="utf-8"?>
-<p:sld xmlns:a="http://schemas.openxmlformats.org/drawingml/2006/main" xmlns:r="http://schemas.openxmlformats.org/officeDocument/2006/relationships" xmlns:p="http://schemas.openxmlformats.org/presentationml/2006/main">
-  <p:cSld>
     <p:bg>
       <p:bgPr>
         <a:blipFill dpi="0" rotWithShape="1">
@@ -7282,7 +7226,7 @@
 </p:sld>
 </file>
 
-<file path=ppt/slides/slide17.xml><?xml version="1.0" encoding="utf-8"?>
+<file path=ppt/slides/slide16.xml><?xml version="1.0" encoding="utf-8"?>
 <p:sld xmlns:a="http://schemas.openxmlformats.org/drawingml/2006/main" xmlns:r="http://schemas.openxmlformats.org/officeDocument/2006/relationships" xmlns:p="http://schemas.openxmlformats.org/presentationml/2006/main">
   <p:cSld>
     <p:bg>
@@ -8036,7 +7980,7 @@
 </p:sld>
 </file>
 
-<file path=ppt/slides/slide18.xml><?xml version="1.0" encoding="utf-8"?>
+<file path=ppt/slides/slide17.xml><?xml version="1.0" encoding="utf-8"?>
 <p:sld xmlns:a="http://schemas.openxmlformats.org/drawingml/2006/main" xmlns:r="http://schemas.openxmlformats.org/officeDocument/2006/relationships" xmlns:p="http://schemas.openxmlformats.org/presentationml/2006/main">
   <p:cSld>
     <p:bg>
@@ -8090,6 +8034,558 @@
           </a:xfrm>
         </p:spPr>
       </p:pic>
+    </p:spTree>
+  </p:cSld>
+  <p:clrMapOvr>
+    <a:masterClrMapping/>
+  </p:clrMapOvr>
+  <p:timing>
+    <p:tnLst>
+      <p:par>
+        <p:cTn id="1" dur="indefinite" restart="never" nodeType="tmRoot"/>
+      </p:par>
+    </p:tnLst>
+  </p:timing>
+</p:sld>
+</file>
+
+<file path=ppt/slides/slide18.xml><?xml version="1.0" encoding="utf-8"?>
+<p:sld xmlns:a="http://schemas.openxmlformats.org/drawingml/2006/main" xmlns:r="http://schemas.openxmlformats.org/officeDocument/2006/relationships" xmlns:p="http://schemas.openxmlformats.org/presentationml/2006/main">
+  <p:cSld>
+    <p:bg>
+      <p:bgPr>
+        <a:blipFill dpi="0" rotWithShape="1">
+          <a:blip r:embed="rId2">
+            <a:lum/>
+          </a:blip>
+          <a:srcRect/>
+          <a:stretch>
+            <a:fillRect/>
+          </a:stretch>
+        </a:blipFill>
+        <a:effectLst/>
+      </p:bgPr>
+    </p:bg>
+    <p:spTree>
+      <p:nvGrpSpPr>
+        <p:cNvPr id="1" name=""/>
+        <p:cNvGrpSpPr/>
+        <p:nvPr/>
+      </p:nvGrpSpPr>
+      <p:grpSpPr>
+        <a:xfrm>
+          <a:off x="0" y="0"/>
+          <a:ext cx="0" cy="0"/>
+          <a:chOff x="0" y="0"/>
+          <a:chExt cx="0" cy="0"/>
+        </a:xfrm>
+      </p:grpSpPr>
+      <p:sp>
+        <p:nvSpPr>
+          <p:cNvPr id="2" name="Title 1"/>
+          <p:cNvSpPr>
+            <a:spLocks noGrp="1"/>
+          </p:cNvSpPr>
+          <p:nvPr>
+            <p:ph type="title"/>
+          </p:nvPr>
+        </p:nvSpPr>
+        <p:spPr>
+          <a:xfrm>
+            <a:off x="-71470" y="71414"/>
+            <a:ext cx="3000396" cy="785818"/>
+          </a:xfrm>
+        </p:spPr>
+        <p:txBody>
+          <a:bodyPr>
+            <a:normAutofit/>
+          </a:bodyPr>
+          <a:lstStyle/>
+          <a:p>
+            <a:r>
+              <a:rPr lang="hr-HR" sz="3200" dirty="0" smtClean="0">
+                <a:solidFill>
+                  <a:schemeClr val="tx2">
+                    <a:lumMod val="20000"/>
+                    <a:lumOff val="80000"/>
+                  </a:schemeClr>
+                </a:solidFill>
+              </a:rPr>
+              <a:t>Mira </a:t>
+            </a:r>
+            <a:r>
+              <a:rPr lang="hr-HR" sz="3200" dirty="0" err="1" smtClean="0">
+                <a:solidFill>
+                  <a:schemeClr val="tx2">
+                    <a:lumMod val="20000"/>
+                    <a:lumOff val="80000"/>
+                  </a:schemeClr>
+                </a:solidFill>
+              </a:rPr>
+              <a:t>variables</a:t>
+            </a:r>
+            <a:endParaRPr lang="hr-HR" sz="3200" dirty="0">
+              <a:solidFill>
+                <a:schemeClr val="tx2">
+                  <a:lumMod val="20000"/>
+                  <a:lumOff val="80000"/>
+                </a:schemeClr>
+              </a:solidFill>
+            </a:endParaRPr>
+          </a:p>
+        </p:txBody>
+      </p:sp>
+      <p:sp>
+        <p:nvSpPr>
+          <p:cNvPr id="3" name="Text Placeholder 2"/>
+          <p:cNvSpPr>
+            <a:spLocks noGrp="1"/>
+          </p:cNvSpPr>
+          <p:nvPr>
+            <p:ph type="body" sz="half" idx="1"/>
+          </p:nvPr>
+        </p:nvSpPr>
+        <p:spPr>
+          <a:xfrm>
+            <a:off x="571472" y="1357298"/>
+            <a:ext cx="5429288" cy="4525963"/>
+          </a:xfrm>
+        </p:spPr>
+        <p:txBody>
+          <a:bodyPr>
+            <a:noAutofit/>
+          </a:bodyPr>
+          <a:lstStyle/>
+          <a:p>
+            <a:r>
+              <a:rPr lang="en-US" sz="2600" dirty="0" smtClean="0">
+                <a:solidFill>
+                  <a:schemeClr val="tx2">
+                    <a:lumMod val="20000"/>
+                    <a:lumOff val="80000"/>
+                  </a:schemeClr>
+                </a:solidFill>
+              </a:rPr>
+              <a:t>search for new LPV-s (long  period variables or </a:t>
+            </a:r>
+            <a:r>
+              <a:rPr lang="en-US" sz="2600" dirty="0" err="1" smtClean="0">
+                <a:solidFill>
+                  <a:schemeClr val="tx2">
+                    <a:lumMod val="20000"/>
+                    <a:lumOff val="80000"/>
+                  </a:schemeClr>
+                </a:solidFill>
+              </a:rPr>
+              <a:t>mira</a:t>
+            </a:r>
+            <a:r>
+              <a:rPr lang="en-US" sz="2600" dirty="0" smtClean="0">
+                <a:solidFill>
+                  <a:schemeClr val="tx2">
+                    <a:lumMod val="20000"/>
+                    <a:lumOff val="80000"/>
+                  </a:schemeClr>
+                </a:solidFill>
+              </a:rPr>
+              <a:t> (ο </a:t>
+            </a:r>
+            <a:r>
+              <a:rPr lang="en-US" sz="2600" dirty="0" err="1" smtClean="0">
+                <a:solidFill>
+                  <a:schemeClr val="tx2">
+                    <a:lumMod val="20000"/>
+                    <a:lumOff val="80000"/>
+                  </a:schemeClr>
+                </a:solidFill>
+              </a:rPr>
+              <a:t>Ceti</a:t>
+            </a:r>
+            <a:r>
+              <a:rPr lang="en-US" sz="2600" dirty="0" smtClean="0">
+                <a:solidFill>
+                  <a:schemeClr val="tx2">
+                    <a:lumMod val="20000"/>
+                    <a:lumOff val="80000"/>
+                  </a:schemeClr>
+                </a:solidFill>
+              </a:rPr>
+              <a:t>) stars) that were considered as potential </a:t>
+            </a:r>
+            <a:r>
+              <a:rPr lang="en-US" sz="2600" dirty="0" err="1" smtClean="0">
+                <a:solidFill>
+                  <a:schemeClr val="tx2">
+                    <a:lumMod val="20000"/>
+                    <a:lumOff val="80000"/>
+                  </a:schemeClr>
+                </a:solidFill>
+              </a:rPr>
+              <a:t>miras</a:t>
+            </a:r>
+            <a:r>
+              <a:rPr lang="en-US" sz="2600" dirty="0" smtClean="0">
+                <a:solidFill>
+                  <a:schemeClr val="tx2">
+                    <a:lumMod val="20000"/>
+                    <a:lumOff val="80000"/>
+                  </a:schemeClr>
+                </a:solidFill>
+              </a:rPr>
+              <a:t> in </a:t>
+            </a:r>
+            <a:r>
+              <a:rPr lang="en-US" sz="2600" dirty="0" err="1" smtClean="0">
+                <a:solidFill>
+                  <a:schemeClr val="tx2">
+                    <a:lumMod val="20000"/>
+                    <a:lumOff val="80000"/>
+                  </a:schemeClr>
+                </a:solidFill>
+              </a:rPr>
+              <a:t>Višnjan</a:t>
+            </a:r>
+            <a:r>
+              <a:rPr lang="hr-HR" sz="2600" dirty="0" smtClean="0">
+                <a:solidFill>
+                  <a:schemeClr val="tx2">
+                    <a:lumMod val="20000"/>
+                    <a:lumOff val="80000"/>
+                  </a:schemeClr>
+                </a:solidFill>
+              </a:rPr>
+              <a:t> </a:t>
+            </a:r>
+            <a:r>
+              <a:rPr lang="hr-HR" sz="2600" dirty="0" err="1" smtClean="0">
+                <a:solidFill>
+                  <a:schemeClr val="tx2">
+                    <a:lumMod val="20000"/>
+                    <a:lumOff val="80000"/>
+                  </a:schemeClr>
+                </a:solidFill>
+              </a:rPr>
+              <a:t>Observatory</a:t>
+            </a:r>
+            <a:r>
+              <a:rPr lang="en-US" sz="2600" dirty="0" smtClean="0">
+                <a:solidFill>
+                  <a:schemeClr val="tx2">
+                    <a:lumMod val="20000"/>
+                    <a:lumOff val="80000"/>
+                  </a:schemeClr>
+                </a:solidFill>
+              </a:rPr>
+              <a:t> </a:t>
+            </a:r>
+            <a:r>
+              <a:rPr lang="en-US" sz="2600" dirty="0" smtClean="0">
+                <a:solidFill>
+                  <a:schemeClr val="tx2">
+                    <a:lumMod val="20000"/>
+                    <a:lumOff val="80000"/>
+                  </a:schemeClr>
+                </a:solidFill>
+              </a:rPr>
+              <a:t>database</a:t>
+            </a:r>
+            <a:endParaRPr lang="hr-HR" sz="2600" dirty="0" smtClean="0">
+              <a:solidFill>
+                <a:schemeClr val="tx2">
+                  <a:lumMod val="20000"/>
+                  <a:lumOff val="80000"/>
+                </a:schemeClr>
+              </a:solidFill>
+            </a:endParaRPr>
+          </a:p>
+          <a:p>
+            <a:r>
+              <a:rPr lang="hr-HR" sz="2600" dirty="0" err="1" smtClean="0">
+                <a:solidFill>
+                  <a:schemeClr val="tx2">
+                    <a:lumMod val="20000"/>
+                    <a:lumOff val="80000"/>
+                  </a:schemeClr>
+                </a:solidFill>
+              </a:rPr>
+              <a:t>Check</a:t>
+            </a:r>
+            <a:r>
+              <a:rPr lang="hr-HR" sz="2600" dirty="0" smtClean="0">
+                <a:solidFill>
+                  <a:schemeClr val="tx2">
+                    <a:lumMod val="20000"/>
+                    <a:lumOff val="80000"/>
+                  </a:schemeClr>
+                </a:solidFill>
+              </a:rPr>
+              <a:t> in </a:t>
+            </a:r>
+            <a:r>
+              <a:rPr lang="hr-HR" sz="2600" dirty="0" err="1" smtClean="0">
+                <a:solidFill>
+                  <a:schemeClr val="tx2">
+                    <a:lumMod val="20000"/>
+                    <a:lumOff val="80000"/>
+                  </a:schemeClr>
+                </a:solidFill>
+              </a:rPr>
+              <a:t>other</a:t>
+            </a:r>
+            <a:r>
+              <a:rPr lang="hr-HR" sz="2600" dirty="0" smtClean="0">
+                <a:solidFill>
+                  <a:schemeClr val="tx2">
+                    <a:lumMod val="20000"/>
+                    <a:lumOff val="80000"/>
+                  </a:schemeClr>
+                </a:solidFill>
+              </a:rPr>
+              <a:t> </a:t>
+            </a:r>
+            <a:r>
+              <a:rPr lang="hr-HR" sz="2600" dirty="0" err="1" smtClean="0">
+                <a:solidFill>
+                  <a:schemeClr val="tx2">
+                    <a:lumMod val="20000"/>
+                    <a:lumOff val="80000"/>
+                  </a:schemeClr>
+                </a:solidFill>
+              </a:rPr>
+              <a:t>databases</a:t>
+            </a:r>
+            <a:endParaRPr lang="hr-HR" sz="2600" dirty="0" smtClean="0">
+              <a:solidFill>
+                <a:schemeClr val="tx2">
+                  <a:lumMod val="20000"/>
+                  <a:lumOff val="80000"/>
+                </a:schemeClr>
+              </a:solidFill>
+            </a:endParaRPr>
+          </a:p>
+          <a:p>
+            <a:r>
+              <a:rPr lang="hr-HR" sz="2600" dirty="0" err="1" smtClean="0">
+                <a:solidFill>
+                  <a:schemeClr val="tx2">
+                    <a:lumMod val="20000"/>
+                    <a:lumOff val="80000"/>
+                  </a:schemeClr>
+                </a:solidFill>
+              </a:rPr>
+              <a:t>Python</a:t>
+            </a:r>
+            <a:r>
+              <a:rPr lang="hr-HR" sz="2600" dirty="0" smtClean="0">
+                <a:solidFill>
+                  <a:schemeClr val="tx2">
+                    <a:lumMod val="20000"/>
+                    <a:lumOff val="80000"/>
+                  </a:schemeClr>
+                </a:solidFill>
+              </a:rPr>
+              <a:t>- </a:t>
+            </a:r>
+            <a:r>
+              <a:rPr lang="hr-HR" sz="2600" dirty="0" err="1" smtClean="0">
+                <a:solidFill>
+                  <a:schemeClr val="tx2">
+                    <a:lumMod val="20000"/>
+                    <a:lumOff val="80000"/>
+                  </a:schemeClr>
+                </a:solidFill>
+              </a:rPr>
+              <a:t>extracting</a:t>
+            </a:r>
+            <a:r>
+              <a:rPr lang="hr-HR" sz="2600" dirty="0" smtClean="0">
+                <a:solidFill>
+                  <a:schemeClr val="tx2">
+                    <a:lumMod val="20000"/>
+                    <a:lumOff val="80000"/>
+                  </a:schemeClr>
+                </a:solidFill>
+              </a:rPr>
+              <a:t> star </a:t>
+            </a:r>
+            <a:r>
+              <a:rPr lang="hr-HR" sz="2600" dirty="0" err="1" smtClean="0">
+                <a:solidFill>
+                  <a:schemeClr val="tx2">
+                    <a:lumMod val="20000"/>
+                    <a:lumOff val="80000"/>
+                  </a:schemeClr>
+                </a:solidFill>
+              </a:rPr>
+              <a:t>names</a:t>
+            </a:r>
+            <a:r>
+              <a:rPr lang="hr-HR" sz="2600" dirty="0" smtClean="0">
+                <a:solidFill>
+                  <a:schemeClr val="tx2">
+                    <a:lumMod val="20000"/>
+                    <a:lumOff val="80000"/>
+                  </a:schemeClr>
+                </a:solidFill>
+              </a:rPr>
+              <a:t> and </a:t>
+            </a:r>
+            <a:r>
+              <a:rPr lang="hr-HR" sz="2600" dirty="0" err="1" smtClean="0">
+                <a:solidFill>
+                  <a:schemeClr val="tx2">
+                    <a:lumMod val="20000"/>
+                    <a:lumOff val="80000"/>
+                  </a:schemeClr>
+                </a:solidFill>
+              </a:rPr>
+              <a:t>coordinates</a:t>
+            </a:r>
+            <a:r>
+              <a:rPr lang="hr-HR" sz="2600" dirty="0" smtClean="0">
+                <a:solidFill>
+                  <a:schemeClr val="tx2">
+                    <a:lumMod val="20000"/>
+                    <a:lumOff val="80000"/>
+                  </a:schemeClr>
+                </a:solidFill>
+              </a:rPr>
+              <a:t> </a:t>
+            </a:r>
+            <a:r>
+              <a:rPr lang="hr-HR" sz="2600" dirty="0" err="1" smtClean="0">
+                <a:solidFill>
+                  <a:schemeClr val="tx2">
+                    <a:lumMod val="20000"/>
+                    <a:lumOff val="80000"/>
+                  </a:schemeClr>
+                </a:solidFill>
+              </a:rPr>
+              <a:t>from</a:t>
+            </a:r>
+            <a:r>
+              <a:rPr lang="hr-HR" sz="2600" dirty="0" smtClean="0">
+                <a:solidFill>
+                  <a:schemeClr val="tx2">
+                    <a:lumMod val="20000"/>
+                    <a:lumOff val="80000"/>
+                  </a:schemeClr>
+                </a:solidFill>
+              </a:rPr>
+              <a:t> </a:t>
+            </a:r>
+            <a:r>
+              <a:rPr lang="hr-HR" sz="2600" dirty="0" err="1" smtClean="0">
+                <a:solidFill>
+                  <a:schemeClr val="tx2">
+                    <a:lumMod val="20000"/>
+                    <a:lumOff val="80000"/>
+                  </a:schemeClr>
+                </a:solidFill>
+              </a:rPr>
+              <a:t>Višnjan</a:t>
+            </a:r>
+            <a:r>
+              <a:rPr lang="hr-HR" sz="2600" dirty="0" smtClean="0">
+                <a:solidFill>
+                  <a:schemeClr val="tx2">
+                    <a:lumMod val="20000"/>
+                    <a:lumOff val="80000"/>
+                  </a:schemeClr>
+                </a:solidFill>
+              </a:rPr>
+              <a:t> </a:t>
+            </a:r>
+            <a:r>
+              <a:rPr lang="hr-HR" sz="2600" dirty="0" err="1" smtClean="0">
+                <a:solidFill>
+                  <a:schemeClr val="tx2">
+                    <a:lumMod val="20000"/>
+                    <a:lumOff val="80000"/>
+                  </a:schemeClr>
+                </a:solidFill>
+              </a:rPr>
+              <a:t>Observatory</a:t>
+            </a:r>
+            <a:r>
+              <a:rPr lang="hr-HR" sz="2600" dirty="0" smtClean="0">
+                <a:solidFill>
+                  <a:schemeClr val="tx2">
+                    <a:lumMod val="20000"/>
+                    <a:lumOff val="80000"/>
+                  </a:schemeClr>
+                </a:solidFill>
+              </a:rPr>
+              <a:t> </a:t>
+            </a:r>
+            <a:r>
+              <a:rPr lang="hr-HR" sz="2600" dirty="0" smtClean="0">
+                <a:solidFill>
+                  <a:schemeClr val="tx2">
+                    <a:lumMod val="20000"/>
+                    <a:lumOff val="80000"/>
+                  </a:schemeClr>
+                </a:solidFill>
+              </a:rPr>
+              <a:t>mira </a:t>
+            </a:r>
+            <a:r>
+              <a:rPr lang="hr-HR" sz="2600" dirty="0" err="1" smtClean="0">
+                <a:solidFill>
+                  <a:schemeClr val="tx2">
+                    <a:lumMod val="20000"/>
+                    <a:lumOff val="80000"/>
+                  </a:schemeClr>
+                </a:solidFill>
+              </a:rPr>
+              <a:t>database</a:t>
+            </a:r>
+            <a:r>
+              <a:rPr lang="hr-HR" sz="2600" dirty="0" smtClean="0">
+                <a:solidFill>
+                  <a:schemeClr val="tx2">
+                    <a:lumMod val="20000"/>
+                    <a:lumOff val="80000"/>
+                  </a:schemeClr>
+                </a:solidFill>
+              </a:rPr>
+              <a:t> list</a:t>
+            </a:r>
+          </a:p>
+          <a:p>
+            <a:r>
+              <a:rPr lang="hr-HR" sz="2600" dirty="0" err="1" smtClean="0">
+                <a:solidFill>
+                  <a:schemeClr val="tx2">
+                    <a:lumMod val="20000"/>
+                    <a:lumOff val="80000"/>
+                  </a:schemeClr>
+                </a:solidFill>
+              </a:rPr>
+              <a:t>Search</a:t>
+            </a:r>
+            <a:r>
+              <a:rPr lang="hr-HR" sz="2600" dirty="0" smtClean="0">
+                <a:solidFill>
+                  <a:schemeClr val="tx2">
+                    <a:lumMod val="20000"/>
+                    <a:lumOff val="80000"/>
+                  </a:schemeClr>
+                </a:solidFill>
+              </a:rPr>
+              <a:t> in SDSS and SIMBAD</a:t>
+            </a:r>
+            <a:endParaRPr lang="hr-HR" sz="2600" dirty="0">
+              <a:solidFill>
+                <a:schemeClr val="tx2">
+                  <a:lumMod val="20000"/>
+                  <a:lumOff val="80000"/>
+                </a:schemeClr>
+              </a:solidFill>
+            </a:endParaRPr>
+          </a:p>
+        </p:txBody>
+      </p:sp>
     </p:spTree>
   </p:cSld>
   <p:clrMapOvr>
@@ -8148,13 +8644,13 @@
         </p:nvSpPr>
         <p:spPr>
           <a:xfrm>
-            <a:off x="-71470" y="142852"/>
-            <a:ext cx="3000396" cy="785818"/>
+            <a:off x="71406" y="142852"/>
+            <a:ext cx="3857652" cy="785818"/>
           </a:xfrm>
         </p:spPr>
         <p:txBody>
           <a:bodyPr>
-            <a:normAutofit/>
+            <a:noAutofit/>
           </a:bodyPr>
           <a:lstStyle/>
           <a:p>
@@ -8179,6 +8675,17 @@
                 </a:solidFill>
               </a:rPr>
               <a:t>variables</a:t>
+            </a:r>
+            <a:r>
+              <a:rPr lang="hr-HR" sz="3200" dirty="0" smtClean="0">
+                <a:solidFill>
+                  <a:schemeClr val="tx2">
+                    <a:lumMod val="20000"/>
+                    <a:lumOff val="80000"/>
+                  </a:schemeClr>
+                </a:solidFill>
+              </a:rPr>
+              <a:t> - SDSS</a:t>
             </a:r>
             <a:endParaRPr lang="hr-HR" sz="3200" dirty="0">
               <a:solidFill>
@@ -8191,457 +8698,30 @@
           </a:p>
         </p:txBody>
       </p:sp>
-      <p:sp>
-        <p:nvSpPr>
-          <p:cNvPr id="3" name="Text Placeholder 2"/>
-          <p:cNvSpPr>
-            <a:spLocks noGrp="1"/>
-          </p:cNvSpPr>
-          <p:nvPr>
-            <p:ph type="body" sz="half" idx="1"/>
-          </p:nvPr>
-        </p:nvSpPr>
+      <p:pic>
+        <p:nvPicPr>
+          <p:cNvPr id="5" name="Picture 4" descr="sdss_search_prntsc2.JPG"/>
+          <p:cNvPicPr>
+            <a:picLocks noChangeAspect="1"/>
+          </p:cNvPicPr>
+          <p:nvPr/>
+        </p:nvPicPr>
+        <p:blipFill>
+          <a:blip r:embed="rId3"/>
+          <a:stretch>
+            <a:fillRect/>
+          </a:stretch>
+        </p:blipFill>
         <p:spPr>
           <a:xfrm>
-            <a:off x="571472" y="1357298"/>
-            <a:ext cx="5429288" cy="4525963"/>
+            <a:off x="1285852" y="1785926"/>
+            <a:ext cx="6014728" cy="3540628"/>
           </a:xfrm>
+          <a:prstGeom prst="rect">
+            <a:avLst/>
+          </a:prstGeom>
         </p:spPr>
-        <p:txBody>
-          <a:bodyPr>
-            <a:noAutofit/>
-          </a:bodyPr>
-          <a:lstStyle/>
-          <a:p>
-            <a:r>
-              <a:rPr lang="en-US" sz="2600" dirty="0" smtClean="0">
-                <a:solidFill>
-                  <a:schemeClr val="tx2">
-                    <a:lumMod val="20000"/>
-                    <a:lumOff val="80000"/>
-                  </a:schemeClr>
-                </a:solidFill>
-              </a:rPr>
-              <a:t>search for new LPV-s (long  period variables or </a:t>
-            </a:r>
-            <a:r>
-              <a:rPr lang="en-US" sz="2600" dirty="0" err="1" smtClean="0">
-                <a:solidFill>
-                  <a:schemeClr val="tx2">
-                    <a:lumMod val="20000"/>
-                    <a:lumOff val="80000"/>
-                  </a:schemeClr>
-                </a:solidFill>
-              </a:rPr>
-              <a:t>mira</a:t>
-            </a:r>
-            <a:r>
-              <a:rPr lang="en-US" sz="2600" dirty="0" smtClean="0">
-                <a:solidFill>
-                  <a:schemeClr val="tx2">
-                    <a:lumMod val="20000"/>
-                    <a:lumOff val="80000"/>
-                  </a:schemeClr>
-                </a:solidFill>
-              </a:rPr>
-              <a:t> (ο </a:t>
-            </a:r>
-            <a:r>
-              <a:rPr lang="en-US" sz="2600" dirty="0" err="1" smtClean="0">
-                <a:solidFill>
-                  <a:schemeClr val="tx2">
-                    <a:lumMod val="20000"/>
-                    <a:lumOff val="80000"/>
-                  </a:schemeClr>
-                </a:solidFill>
-              </a:rPr>
-              <a:t>Ceti</a:t>
-            </a:r>
-            <a:r>
-              <a:rPr lang="en-US" sz="2600" dirty="0" smtClean="0">
-                <a:solidFill>
-                  <a:schemeClr val="tx2">
-                    <a:lumMod val="20000"/>
-                    <a:lumOff val="80000"/>
-                  </a:schemeClr>
-                </a:solidFill>
-              </a:rPr>
-              <a:t>) stars) that were considered as potential </a:t>
-            </a:r>
-            <a:r>
-              <a:rPr lang="en-US" sz="2600" dirty="0" err="1" smtClean="0">
-                <a:solidFill>
-                  <a:schemeClr val="tx2">
-                    <a:lumMod val="20000"/>
-                    <a:lumOff val="80000"/>
-                  </a:schemeClr>
-                </a:solidFill>
-              </a:rPr>
-              <a:t>miras</a:t>
-            </a:r>
-            <a:r>
-              <a:rPr lang="en-US" sz="2600" dirty="0" smtClean="0">
-                <a:solidFill>
-                  <a:schemeClr val="tx2">
-                    <a:lumMod val="20000"/>
-                    <a:lumOff val="80000"/>
-                  </a:schemeClr>
-                </a:solidFill>
-              </a:rPr>
-              <a:t> in </a:t>
-            </a:r>
-            <a:r>
-              <a:rPr lang="en-US" sz="2600" dirty="0" err="1" smtClean="0">
-                <a:solidFill>
-                  <a:schemeClr val="tx2">
-                    <a:lumMod val="20000"/>
-                    <a:lumOff val="80000"/>
-                  </a:schemeClr>
-                </a:solidFill>
-              </a:rPr>
-              <a:t>Višnjan</a:t>
-            </a:r>
-            <a:r>
-              <a:rPr lang="hr-HR" sz="2600" dirty="0" smtClean="0">
-                <a:solidFill>
-                  <a:schemeClr val="tx2">
-                    <a:lumMod val="20000"/>
-                    <a:lumOff val="80000"/>
-                  </a:schemeClr>
-                </a:solidFill>
-              </a:rPr>
-              <a:t> </a:t>
-            </a:r>
-            <a:r>
-              <a:rPr lang="hr-HR" sz="2600" dirty="0" err="1" smtClean="0">
-                <a:solidFill>
-                  <a:schemeClr val="tx2">
-                    <a:lumMod val="20000"/>
-                    <a:lumOff val="80000"/>
-                  </a:schemeClr>
-                </a:solidFill>
-              </a:rPr>
-              <a:t>Observatory</a:t>
-            </a:r>
-            <a:r>
-              <a:rPr lang="en-US" sz="2600" dirty="0" smtClean="0">
-                <a:solidFill>
-                  <a:schemeClr val="tx2">
-                    <a:lumMod val="20000"/>
-                    <a:lumOff val="80000"/>
-                  </a:schemeClr>
-                </a:solidFill>
-              </a:rPr>
-              <a:t> </a:t>
-            </a:r>
-            <a:r>
-              <a:rPr lang="en-US" sz="2600" dirty="0" smtClean="0">
-                <a:solidFill>
-                  <a:schemeClr val="tx2">
-                    <a:lumMod val="20000"/>
-                    <a:lumOff val="80000"/>
-                  </a:schemeClr>
-                </a:solidFill>
-              </a:rPr>
-              <a:t>database</a:t>
-            </a:r>
-            <a:endParaRPr lang="hr-HR" sz="2600" dirty="0" smtClean="0">
-              <a:solidFill>
-                <a:schemeClr val="tx2">
-                  <a:lumMod val="20000"/>
-                  <a:lumOff val="80000"/>
-                </a:schemeClr>
-              </a:solidFill>
-            </a:endParaRPr>
-          </a:p>
-          <a:p>
-            <a:r>
-              <a:rPr lang="hr-HR" sz="2600" dirty="0" err="1" smtClean="0">
-                <a:solidFill>
-                  <a:schemeClr val="tx2">
-                    <a:lumMod val="20000"/>
-                    <a:lumOff val="80000"/>
-                  </a:schemeClr>
-                </a:solidFill>
-              </a:rPr>
-              <a:t>Check</a:t>
-            </a:r>
-            <a:r>
-              <a:rPr lang="hr-HR" sz="2600" dirty="0" smtClean="0">
-                <a:solidFill>
-                  <a:schemeClr val="tx2">
-                    <a:lumMod val="20000"/>
-                    <a:lumOff val="80000"/>
-                  </a:schemeClr>
-                </a:solidFill>
-              </a:rPr>
-              <a:t> in </a:t>
-            </a:r>
-            <a:r>
-              <a:rPr lang="hr-HR" sz="2600" dirty="0" err="1" smtClean="0">
-                <a:solidFill>
-                  <a:schemeClr val="tx2">
-                    <a:lumMod val="20000"/>
-                    <a:lumOff val="80000"/>
-                  </a:schemeClr>
-                </a:solidFill>
-              </a:rPr>
-              <a:t>other</a:t>
-            </a:r>
-            <a:r>
-              <a:rPr lang="hr-HR" sz="2600" dirty="0" smtClean="0">
-                <a:solidFill>
-                  <a:schemeClr val="tx2">
-                    <a:lumMod val="20000"/>
-                    <a:lumOff val="80000"/>
-                  </a:schemeClr>
-                </a:solidFill>
-              </a:rPr>
-              <a:t> </a:t>
-            </a:r>
-            <a:r>
-              <a:rPr lang="hr-HR" sz="2600" dirty="0" err="1" smtClean="0">
-                <a:solidFill>
-                  <a:schemeClr val="tx2">
-                    <a:lumMod val="20000"/>
-                    <a:lumOff val="80000"/>
-                  </a:schemeClr>
-                </a:solidFill>
-              </a:rPr>
-              <a:t>databases</a:t>
-            </a:r>
-            <a:endParaRPr lang="hr-HR" sz="2600" dirty="0" smtClean="0">
-              <a:solidFill>
-                <a:schemeClr val="tx2">
-                  <a:lumMod val="20000"/>
-                  <a:lumOff val="80000"/>
-                </a:schemeClr>
-              </a:solidFill>
-            </a:endParaRPr>
-          </a:p>
-          <a:p>
-            <a:r>
-              <a:rPr lang="hr-HR" sz="2600" dirty="0" err="1" smtClean="0">
-                <a:solidFill>
-                  <a:schemeClr val="tx2">
-                    <a:lumMod val="20000"/>
-                    <a:lumOff val="80000"/>
-                  </a:schemeClr>
-                </a:solidFill>
-              </a:rPr>
-              <a:t>Python</a:t>
-            </a:r>
-            <a:r>
-              <a:rPr lang="hr-HR" sz="2600" dirty="0" smtClean="0">
-                <a:solidFill>
-                  <a:schemeClr val="tx2">
-                    <a:lumMod val="20000"/>
-                    <a:lumOff val="80000"/>
-                  </a:schemeClr>
-                </a:solidFill>
-              </a:rPr>
-              <a:t>- </a:t>
-            </a:r>
-            <a:r>
-              <a:rPr lang="hr-HR" sz="2600" dirty="0" err="1" smtClean="0">
-                <a:solidFill>
-                  <a:schemeClr val="tx2">
-                    <a:lumMod val="20000"/>
-                    <a:lumOff val="80000"/>
-                  </a:schemeClr>
-                </a:solidFill>
-              </a:rPr>
-              <a:t>extracting</a:t>
-            </a:r>
-            <a:r>
-              <a:rPr lang="hr-HR" sz="2600" dirty="0" smtClean="0">
-                <a:solidFill>
-                  <a:schemeClr val="tx2">
-                    <a:lumMod val="20000"/>
-                    <a:lumOff val="80000"/>
-                  </a:schemeClr>
-                </a:solidFill>
-              </a:rPr>
-              <a:t> star </a:t>
-            </a:r>
-            <a:r>
-              <a:rPr lang="hr-HR" sz="2600" dirty="0" err="1" smtClean="0">
-                <a:solidFill>
-                  <a:schemeClr val="tx2">
-                    <a:lumMod val="20000"/>
-                    <a:lumOff val="80000"/>
-                  </a:schemeClr>
-                </a:solidFill>
-              </a:rPr>
-              <a:t>names</a:t>
-            </a:r>
-            <a:r>
-              <a:rPr lang="hr-HR" sz="2600" dirty="0" smtClean="0">
-                <a:solidFill>
-                  <a:schemeClr val="tx2">
-                    <a:lumMod val="20000"/>
-                    <a:lumOff val="80000"/>
-                  </a:schemeClr>
-                </a:solidFill>
-              </a:rPr>
-              <a:t> and </a:t>
-            </a:r>
-            <a:r>
-              <a:rPr lang="hr-HR" sz="2600" dirty="0" err="1" smtClean="0">
-                <a:solidFill>
-                  <a:schemeClr val="tx2">
-                    <a:lumMod val="20000"/>
-                    <a:lumOff val="80000"/>
-                  </a:schemeClr>
-                </a:solidFill>
-              </a:rPr>
-              <a:t>coordinates</a:t>
-            </a:r>
-            <a:r>
-              <a:rPr lang="hr-HR" sz="2600" dirty="0" smtClean="0">
-                <a:solidFill>
-                  <a:schemeClr val="tx2">
-                    <a:lumMod val="20000"/>
-                    <a:lumOff val="80000"/>
-                  </a:schemeClr>
-                </a:solidFill>
-              </a:rPr>
-              <a:t> </a:t>
-            </a:r>
-            <a:r>
-              <a:rPr lang="hr-HR" sz="2600" dirty="0" err="1" smtClean="0">
-                <a:solidFill>
-                  <a:schemeClr val="tx2">
-                    <a:lumMod val="20000"/>
-                    <a:lumOff val="80000"/>
-                  </a:schemeClr>
-                </a:solidFill>
-              </a:rPr>
-              <a:t>from</a:t>
-            </a:r>
-            <a:r>
-              <a:rPr lang="hr-HR" sz="2600" dirty="0" smtClean="0">
-                <a:solidFill>
-                  <a:schemeClr val="tx2">
-                    <a:lumMod val="20000"/>
-                    <a:lumOff val="80000"/>
-                  </a:schemeClr>
-                </a:solidFill>
-              </a:rPr>
-              <a:t> </a:t>
-            </a:r>
-            <a:r>
-              <a:rPr lang="hr-HR" sz="2600" dirty="0" err="1" smtClean="0">
-                <a:solidFill>
-                  <a:schemeClr val="tx2">
-                    <a:lumMod val="20000"/>
-                    <a:lumOff val="80000"/>
-                  </a:schemeClr>
-                </a:solidFill>
-              </a:rPr>
-              <a:t>Višnjan</a:t>
-            </a:r>
-            <a:r>
-              <a:rPr lang="hr-HR" sz="2600" dirty="0" smtClean="0">
-                <a:solidFill>
-                  <a:schemeClr val="tx2">
-                    <a:lumMod val="20000"/>
-                    <a:lumOff val="80000"/>
-                  </a:schemeClr>
-                </a:solidFill>
-              </a:rPr>
-              <a:t> </a:t>
-            </a:r>
-            <a:r>
-              <a:rPr lang="hr-HR" sz="2600" dirty="0" err="1" smtClean="0">
-                <a:solidFill>
-                  <a:schemeClr val="tx2">
-                    <a:lumMod val="20000"/>
-                    <a:lumOff val="80000"/>
-                  </a:schemeClr>
-                </a:solidFill>
-              </a:rPr>
-              <a:t>Observatory</a:t>
-            </a:r>
-            <a:r>
-              <a:rPr lang="hr-HR" sz="2600" dirty="0" smtClean="0">
-                <a:solidFill>
-                  <a:schemeClr val="tx2">
-                    <a:lumMod val="20000"/>
-                    <a:lumOff val="80000"/>
-                  </a:schemeClr>
-                </a:solidFill>
-              </a:rPr>
-              <a:t> </a:t>
-            </a:r>
-            <a:r>
-              <a:rPr lang="hr-HR" sz="2600" dirty="0" smtClean="0">
-                <a:solidFill>
-                  <a:schemeClr val="tx2">
-                    <a:lumMod val="20000"/>
-                    <a:lumOff val="80000"/>
-                  </a:schemeClr>
-                </a:solidFill>
-              </a:rPr>
-              <a:t>mira </a:t>
-            </a:r>
-            <a:r>
-              <a:rPr lang="hr-HR" sz="2600" dirty="0" err="1" smtClean="0">
-                <a:solidFill>
-                  <a:schemeClr val="tx2">
-                    <a:lumMod val="20000"/>
-                    <a:lumOff val="80000"/>
-                  </a:schemeClr>
-                </a:solidFill>
-              </a:rPr>
-              <a:t>database</a:t>
-            </a:r>
-            <a:r>
-              <a:rPr lang="hr-HR" sz="2600" dirty="0" smtClean="0">
-                <a:solidFill>
-                  <a:schemeClr val="tx2">
-                    <a:lumMod val="20000"/>
-                    <a:lumOff val="80000"/>
-                  </a:schemeClr>
-                </a:solidFill>
-              </a:rPr>
-              <a:t> list</a:t>
-            </a:r>
-          </a:p>
-          <a:p>
-            <a:r>
-              <a:rPr lang="hr-HR" sz="2600" dirty="0" err="1" smtClean="0">
-                <a:solidFill>
-                  <a:schemeClr val="tx2">
-                    <a:lumMod val="20000"/>
-                    <a:lumOff val="80000"/>
-                  </a:schemeClr>
-                </a:solidFill>
-              </a:rPr>
-              <a:t>Search</a:t>
-            </a:r>
-            <a:r>
-              <a:rPr lang="hr-HR" sz="2600" dirty="0" smtClean="0">
-                <a:solidFill>
-                  <a:schemeClr val="tx2">
-                    <a:lumMod val="20000"/>
-                    <a:lumOff val="80000"/>
-                  </a:schemeClr>
-                </a:solidFill>
-              </a:rPr>
-              <a:t> in SDSS and SIMBAD</a:t>
-            </a:r>
-            <a:endParaRPr lang="hr-HR" sz="2600" dirty="0">
-              <a:solidFill>
-                <a:schemeClr val="tx2">
-                  <a:lumMod val="20000"/>
-                  <a:lumOff val="80000"/>
-                </a:schemeClr>
-              </a:solidFill>
-            </a:endParaRPr>
-          </a:p>
-        </p:txBody>
-      </p:sp>
+      </p:pic>
     </p:spTree>
   </p:cSld>
   <p:clrMapOvr>
@@ -9554,142 +9634,6 @@
 </file>
 
 <file path=ppt/slides/slide20.xml><?xml version="1.0" encoding="utf-8"?>
-<p:sld xmlns:a="http://schemas.openxmlformats.org/drawingml/2006/main" xmlns:r="http://schemas.openxmlformats.org/officeDocument/2006/relationships" xmlns:p="http://schemas.openxmlformats.org/presentationml/2006/main">
-  <p:cSld>
-    <p:bg>
-      <p:bgPr>
-        <a:blipFill dpi="0" rotWithShape="1">
-          <a:blip r:embed="rId2">
-            <a:lum/>
-          </a:blip>
-          <a:srcRect/>
-          <a:stretch>
-            <a:fillRect/>
-          </a:stretch>
-        </a:blipFill>
-        <a:effectLst/>
-      </p:bgPr>
-    </p:bg>
-    <p:spTree>
-      <p:nvGrpSpPr>
-        <p:cNvPr id="1" name=""/>
-        <p:cNvGrpSpPr/>
-        <p:nvPr/>
-      </p:nvGrpSpPr>
-      <p:grpSpPr>
-        <a:xfrm>
-          <a:off x="0" y="0"/>
-          <a:ext cx="0" cy="0"/>
-          <a:chOff x="0" y="0"/>
-          <a:chExt cx="0" cy="0"/>
-        </a:xfrm>
-      </p:grpSpPr>
-      <p:sp>
-        <p:nvSpPr>
-          <p:cNvPr id="2" name="Title 1"/>
-          <p:cNvSpPr>
-            <a:spLocks noGrp="1"/>
-          </p:cNvSpPr>
-          <p:nvPr>
-            <p:ph type="title"/>
-          </p:nvPr>
-        </p:nvSpPr>
-        <p:spPr>
-          <a:xfrm>
-            <a:off x="71406" y="142852"/>
-            <a:ext cx="3857652" cy="785818"/>
-          </a:xfrm>
-        </p:spPr>
-        <p:txBody>
-          <a:bodyPr>
-            <a:noAutofit/>
-          </a:bodyPr>
-          <a:lstStyle/>
-          <a:p>
-            <a:r>
-              <a:rPr lang="hr-HR" sz="3200" dirty="0" smtClean="0">
-                <a:solidFill>
-                  <a:schemeClr val="tx2">
-                    <a:lumMod val="20000"/>
-                    <a:lumOff val="80000"/>
-                  </a:schemeClr>
-                </a:solidFill>
-              </a:rPr>
-              <a:t>Mira </a:t>
-            </a:r>
-            <a:r>
-              <a:rPr lang="hr-HR" sz="3200" dirty="0" err="1" smtClean="0">
-                <a:solidFill>
-                  <a:schemeClr val="tx2">
-                    <a:lumMod val="20000"/>
-                    <a:lumOff val="80000"/>
-                  </a:schemeClr>
-                </a:solidFill>
-              </a:rPr>
-              <a:t>variables</a:t>
-            </a:r>
-            <a:r>
-              <a:rPr lang="hr-HR" sz="3200" dirty="0" smtClean="0">
-                <a:solidFill>
-                  <a:schemeClr val="tx2">
-                    <a:lumMod val="20000"/>
-                    <a:lumOff val="80000"/>
-                  </a:schemeClr>
-                </a:solidFill>
-              </a:rPr>
-              <a:t> - SDSS</a:t>
-            </a:r>
-            <a:endParaRPr lang="hr-HR" sz="3200" dirty="0">
-              <a:solidFill>
-                <a:schemeClr val="tx2">
-                  <a:lumMod val="20000"/>
-                  <a:lumOff val="80000"/>
-                </a:schemeClr>
-              </a:solidFill>
-            </a:endParaRPr>
-          </a:p>
-        </p:txBody>
-      </p:sp>
-      <p:pic>
-        <p:nvPicPr>
-          <p:cNvPr id="5" name="Picture 4" descr="sdss_search_prntsc2.JPG"/>
-          <p:cNvPicPr>
-            <a:picLocks noChangeAspect="1"/>
-          </p:cNvPicPr>
-          <p:nvPr/>
-        </p:nvPicPr>
-        <p:blipFill>
-          <a:blip r:embed="rId3"/>
-          <a:stretch>
-            <a:fillRect/>
-          </a:stretch>
-        </p:blipFill>
-        <p:spPr>
-          <a:xfrm>
-            <a:off x="1285852" y="1785926"/>
-            <a:ext cx="6014728" cy="3540628"/>
-          </a:xfrm>
-          <a:prstGeom prst="rect">
-            <a:avLst/>
-          </a:prstGeom>
-        </p:spPr>
-      </p:pic>
-    </p:spTree>
-  </p:cSld>
-  <p:clrMapOvr>
-    <a:masterClrMapping/>
-  </p:clrMapOvr>
-  <p:timing>
-    <p:tnLst>
-      <p:par>
-        <p:cTn id="1" dur="indefinite" restart="never" nodeType="tmRoot"/>
-      </p:par>
-    </p:tnLst>
-  </p:timing>
-</p:sld>
-</file>
-
-<file path=ppt/slides/slide21.xml><?xml version="1.0" encoding="utf-8"?>
 <p:sld xmlns:a="http://schemas.openxmlformats.org/drawingml/2006/main" xmlns:r="http://schemas.openxmlformats.org/officeDocument/2006/relationships" xmlns:p="http://schemas.openxmlformats.org/presentationml/2006/main">
   <p:cSld>
     <p:bg>
@@ -9864,7 +9808,7 @@
 </p:sld>
 </file>
 
-<file path=ppt/slides/slide22.xml><?xml version="1.0" encoding="utf-8"?>
+<file path=ppt/slides/slide21.xml><?xml version="1.0" encoding="utf-8"?>
 <p:sld xmlns:a="http://schemas.openxmlformats.org/drawingml/2006/main" xmlns:r="http://schemas.openxmlformats.org/officeDocument/2006/relationships" xmlns:p="http://schemas.openxmlformats.org/presentationml/2006/main">
   <p:cSld>
     <p:bg>
@@ -10383,7 +10327,7 @@
 </p:sld>
 </file>
 
-<file path=ppt/slides/slide23.xml><?xml version="1.0" encoding="utf-8"?>
+<file path=ppt/slides/slide22.xml><?xml version="1.0" encoding="utf-8"?>
 <p:sld xmlns:a="http://schemas.openxmlformats.org/drawingml/2006/main" xmlns:r="http://schemas.openxmlformats.org/officeDocument/2006/relationships" xmlns:p="http://schemas.openxmlformats.org/presentationml/2006/main">
   <p:cSld>
     <p:bg>
